--- a/sdedit_presentation.pptx
+++ b/sdedit_presentation.pptx
@@ -3938,7 +3938,15 @@
           <a:p>
             <a:r>
               <a:rPr lang="en-US" dirty="0"/>
-              <a:t>Really quick editing (after you learnt the tool) </a:t>
+              <a:t>Really quick editing (</a:t>
+            </a:r>
+            <a:r>
+              <a:rPr lang="en-US"/>
+              <a:t>after you have </a:t>
+            </a:r>
+            <a:r>
+              <a:rPr lang="en-US" dirty="0"/>
+              <a:t>learnt the tool) </a:t>
             </a:r>
           </a:p>
           <a:p>
